--- a/slides/Dantoni-Opsgility-MSFabric-Module5 v2.pptx
+++ b/slides/Dantoni-Opsgility-MSFabric-Module5 v2.pptx
@@ -210,7 +210,7 @@
           <a:p>
             <a:fld id="{0D354273-E04F-4A6B-AB46-301CAB090479}" type="datetimeFigureOut">
               <a:rPr lang="en-US" smtClean="0"/>
-              <a:t>9/21/2023</a:t>
+              <a:t>11/21/2023</a:t>
             </a:fld>
             <a:endParaRPr lang="en-US" dirty="0"/>
           </a:p>
@@ -819,41 +819,8 @@
               <a:rPr lang="en-US" dirty="0">
                 <a:effectLst/>
               </a:rPr>
-              <a:t>Grants the user CONTROL access for each Warehouse and SQL Endpoint within the workspace, providing them with full read/write permissions and the ability to manage granular user SQL permissions. Allows the user to see workspace-scoped session, </a:t>
-            </a:r>
-            <a:r>
-              <a:rPr lang="en-US" u="none" strike="noStrike" dirty="0">
-                <a:effectLst/>
-                <a:hlinkClick r:id="rId3"/>
-              </a:rPr>
-              <a:t>monitor connections and requests in DMVs via TSQL</a:t>
-            </a:r>
-            <a:r>
-              <a:rPr lang="en-US" dirty="0">
-                <a:effectLst/>
-              </a:rPr>
-              <a:t>, and </a:t>
-            </a:r>
-            <a:r>
-              <a:rPr lang="en-US" u="none" strike="noStrike" dirty="0">
-                <a:effectLst/>
-                <a:hlinkClick r:id="rId4"/>
-              </a:rPr>
-              <a:t>KILL</a:t>
-            </a:r>
-            <a:r>
-              <a:rPr lang="en-US" dirty="0">
-                <a:effectLst/>
-              </a:rPr>
-              <a:t> sessions.</a:t>
-            </a:r>
-            <a:endParaRPr lang="en-US" b="0" i="0" dirty="0">
-              <a:solidFill>
-                <a:srgbClr val="E6E6E6"/>
-              </a:solidFill>
-              <a:effectLst/>
-              <a:latin typeface="Segoe UI" panose="020B0502040204020203" pitchFamily="34" charset="0"/>
-            </a:endParaRPr>
+              <a:t>Grants the user CONTROL access for each Warehouse and SQL Endpoint within the workspace, providing them with full read/write permissions and the ability to manage granular user SQL permissions. Allows the user to see workspace-scoped session, monitor connections and requests in DMVs via TSQL, and KILL sessions.</a:t>
+            </a:r>
           </a:p>
           <a:p>
             <a:r>
@@ -2360,7 +2327,7 @@
                 <a:effectLst/>
                 <a:latin typeface="Segoe UI" panose="020B0502040204020203" pitchFamily="34" charset="0"/>
               </a:rPr>
-              <a:t>By default, all tables and views in the Warehouse are automatically added to the default Power BI dataset. Users can also manually select tables or views from the Warehouse they want included in the model for more flexibility</a:t>
+              <a:t>By default, all tables and views in the Warehouse are automatically added to the default Power BI semantic model. Users can also manually select tables or views from the Warehouse they want included in the model for more flexibility</a:t>
             </a:r>
             <a:endParaRPr lang="en-US" dirty="0"/>
           </a:p>
@@ -14122,7 +14089,7 @@
         <p:spPr>
           <a:xfrm>
             <a:off x="584200" y="1435100"/>
-            <a:ext cx="5211763" cy="6463308"/>
+            <a:ext cx="5211763" cy="6894195"/>
           </a:xfrm>
         </p:spPr>
         <p:txBody>
@@ -14169,7 +14136,7 @@
                 </a:solidFill>
                 <a:latin typeface="Segoe UI" panose="020B0502040204020203" pitchFamily="34" charset="0"/>
               </a:rPr>
-              <a:t>Adds tables and views to the default Power BI dataset</a:t>
+              <a:t>Adds tables and views to the default Power BI semantic model</a:t>
             </a:r>
             <a:endParaRPr lang="en-US" b="0" i="0" dirty="0">
               <a:solidFill>
@@ -15472,18 +15439,18 @@
 </file>
 
 <file path=customXml/item1.xml><?xml version="1.0" encoding="utf-8"?>
+<p:properties xmlns:p="http://schemas.microsoft.com/office/2006/metadata/properties" xmlns:xsi="http://www.w3.org/2001/XMLSchema-instance" xmlns:pc="http://schemas.microsoft.com/office/infopath/2007/PartnerControls">
+  <documentManagement/>
+</p:properties>
+</file>
+
+<file path=customXml/item2.xml><?xml version="1.0" encoding="utf-8"?>
 <?mso-contentType ?>
 <FormTemplates xmlns="http://schemas.microsoft.com/sharepoint/v3/contenttype/forms">
   <Display>DocumentLibraryForm</Display>
   <Edit>DocumentLibraryForm</Edit>
   <New>DocumentLibraryForm</New>
 </FormTemplates>
-</file>
-
-<file path=customXml/item2.xml><?xml version="1.0" encoding="utf-8"?>
-<p:properties xmlns:p="http://schemas.microsoft.com/office/2006/metadata/properties" xmlns:xsi="http://www.w3.org/2001/XMLSchema-instance" xmlns:pc="http://schemas.microsoft.com/office/infopath/2007/PartnerControls">
-  <documentManagement/>
-</p:properties>
 </file>
 
 <file path=customXml/item3.xml><?xml version="1.0" encoding="utf-8"?>
@@ -15671,14 +15638,6 @@
 </file>
 
 <file path=customXml/itemProps1.xml><?xml version="1.0" encoding="utf-8"?>
-<ds:datastoreItem xmlns:ds="http://schemas.openxmlformats.org/officeDocument/2006/customXml" ds:itemID="{08B55F93-F793-45E6-8EF9-B02CA25D11D4}">
-  <ds:schemaRefs>
-    <ds:schemaRef ds:uri="http://schemas.microsoft.com/sharepoint/v3/contenttype/forms"/>
-  </ds:schemaRefs>
-</ds:datastoreItem>
-</file>
-
-<file path=customXml/itemProps2.xml><?xml version="1.0" encoding="utf-8"?>
 <ds:datastoreItem xmlns:ds="http://schemas.openxmlformats.org/officeDocument/2006/customXml" ds:itemID="{EDCB3B52-9508-4A63-AFCC-05E7630C15CA}">
   <ds:schemaRefs>
     <ds:schemaRef ds:uri="http://schemas.microsoft.com/office/2006/metadata/properties"/>
@@ -15689,8 +15648,30 @@
 </ds:datastoreItem>
 </file>
 
+<file path=customXml/itemProps2.xml><?xml version="1.0" encoding="utf-8"?>
+<ds:datastoreItem xmlns:ds="http://schemas.openxmlformats.org/officeDocument/2006/customXml" ds:itemID="{08B55F93-F793-45E6-8EF9-B02CA25D11D4}">
+  <ds:schemaRefs>
+    <ds:schemaRef ds:uri="http://schemas.microsoft.com/sharepoint/v3/contenttype/forms"/>
+  </ds:schemaRefs>
+</ds:datastoreItem>
+</file>
+
 <file path=customXml/itemProps3.xml><?xml version="1.0" encoding="utf-8"?>
-<ds:datastoreItem xmlns:ds="http://schemas.openxmlformats.org/officeDocument/2006/customXml" ds:itemID="{013BC7EC-345D-49A7-886C-0C154AE62C25}"/>
+<ds:datastoreItem xmlns:ds="http://schemas.openxmlformats.org/officeDocument/2006/customXml" ds:itemID="{013BC7EC-345D-49A7-886C-0C154AE62C25}">
+  <ds:schemaRefs>
+    <ds:schemaRef ds:uri="http://schemas.microsoft.com/office/2006/metadata/contentType"/>
+    <ds:schemaRef ds:uri="http://schemas.microsoft.com/office/2006/metadata/properties/metaAttributes"/>
+    <ds:schemaRef ds:uri="http://www.w3.org/2001/XMLSchema"/>
+    <ds:schemaRef ds:uri="http://schemas.microsoft.com/office/2006/metadata/properties"/>
+    <ds:schemaRef ds:uri="30241bb1-3633-4696-a205-62244f9c1dd7"/>
+    <ds:schemaRef ds:uri="http://schemas.microsoft.com/office/2006/documentManagement/types"/>
+    <ds:schemaRef ds:uri="http://schemas.microsoft.com/office/infopath/2007/PartnerControls"/>
+    <ds:schemaRef ds:uri="http://schemas.openxmlformats.org/package/2006/metadata/core-properties"/>
+    <ds:schemaRef ds:uri="http://purl.org/dc/elements/1.1/"/>
+    <ds:schemaRef ds:uri="http://purl.org/dc/terms/"/>
+    <ds:schemaRef ds:uri="http://schemas.microsoft.com/internal/obd"/>
+  </ds:schemaRefs>
+</ds:datastoreItem>
 </file>
 
 <file path=docMetadata/LabelInfo.xml><?xml version="1.0" encoding="utf-8"?>
